--- a/material/IntroProg/Clases/5. Funciones - llamados.pptx
+++ b/material/IntroProg/Clases/5. Funciones - llamados.pptx
@@ -225,7 +225,7 @@
             <a:fld id="{72F64849-FDB5-4298-A413-9D70FF7B4EB1}" type="datetimeFigureOut">
               <a:rPr lang="es-CO" smtClean="0"/>
               <a:pPr/>
-              <a:t>1/09/2016</a:t>
+              <a:t>9/03/2020</a:t>
             </a:fld>
             <a:endParaRPr lang="es-CO"/>
           </a:p>
@@ -387,7 +387,7 @@
             <a:fld id="{E21E405C-8F13-4C14-8D34-C311A8C5D90E}" type="slidenum">
               <a:rPr lang="es-CO" smtClean="0"/>
               <a:pPr/>
-              <a:t>‹Nº›</a:t>
+              <a:t>‹#›</a:t>
             </a:fld>
             <a:endParaRPr lang="es-CO"/>
           </a:p>
@@ -655,7 +655,7 @@
           <a:p>
             <a:r>
               <a:rPr lang="en-US" dirty="0"/>
-              <a:t>8 1</a:t>
+              <a:t>7 1</a:t>
             </a:r>
           </a:p>
           <a:p>
@@ -1144,7 +1144,7 @@
             <a:fld id="{2235B30C-86F8-49BD-820E-4721741473E2}" type="slidenum">
               <a:rPr lang="es-CO" smtClean="0"/>
               <a:pPr/>
-              <a:t>‹Nº›</a:t>
+              <a:t>‹#›</a:t>
             </a:fld>
             <a:endParaRPr lang="es-CO"/>
           </a:p>
@@ -1335,7 +1335,7 @@
             <a:fld id="{2235B30C-86F8-49BD-820E-4721741473E2}" type="slidenum">
               <a:rPr lang="es-CO" smtClean="0"/>
               <a:pPr/>
-              <a:t>‹Nº›</a:t>
+              <a:t>‹#›</a:t>
             </a:fld>
             <a:endParaRPr lang="es-CO"/>
           </a:p>
@@ -1510,7 +1510,7 @@
             <a:fld id="{2235B30C-86F8-49BD-820E-4721741473E2}" type="slidenum">
               <a:rPr lang="es-CO" smtClean="0"/>
               <a:pPr/>
-              <a:t>‹Nº›</a:t>
+              <a:t>‹#›</a:t>
             </a:fld>
             <a:endParaRPr lang="es-CO"/>
           </a:p>
@@ -1766,7 +1766,7 @@
             <a:fld id="{2235B30C-86F8-49BD-820E-4721741473E2}" type="slidenum">
               <a:rPr lang="es-CO" smtClean="0"/>
               <a:pPr/>
-              <a:t>‹Nº›</a:t>
+              <a:t>‹#›</a:t>
             </a:fld>
             <a:endParaRPr lang="es-CO"/>
           </a:p>
@@ -2065,7 +2065,7 @@
             <a:fld id="{2235B30C-86F8-49BD-820E-4721741473E2}" type="slidenum">
               <a:rPr lang="es-CO" smtClean="0"/>
               <a:pPr/>
-              <a:t>‹Nº›</a:t>
+              <a:t>‹#›</a:t>
             </a:fld>
             <a:endParaRPr lang="es-CO"/>
           </a:p>
@@ -2348,7 +2348,7 @@
             <a:fld id="{2235B30C-86F8-49BD-820E-4721741473E2}" type="slidenum">
               <a:rPr lang="es-CO" smtClean="0"/>
               <a:pPr/>
-              <a:t>‹Nº›</a:t>
+              <a:t>‹#›</a:t>
             </a:fld>
             <a:endParaRPr lang="es-CO"/>
           </a:p>
@@ -2765,7 +2765,7 @@
             <a:fld id="{2235B30C-86F8-49BD-820E-4721741473E2}" type="slidenum">
               <a:rPr lang="es-CO" smtClean="0"/>
               <a:pPr/>
-              <a:t>‹Nº›</a:t>
+              <a:t>‹#›</a:t>
             </a:fld>
             <a:endParaRPr lang="es-CO"/>
           </a:p>
@@ -2878,7 +2878,7 @@
             <a:fld id="{2235B30C-86F8-49BD-820E-4721741473E2}" type="slidenum">
               <a:rPr lang="es-CO" smtClean="0"/>
               <a:pPr/>
-              <a:t>‹Nº›</a:t>
+              <a:t>‹#›</a:t>
             </a:fld>
             <a:endParaRPr lang="es-CO"/>
           </a:p>
@@ -2968,7 +2968,7 @@
             <a:fld id="{2235B30C-86F8-49BD-820E-4721741473E2}" type="slidenum">
               <a:rPr lang="es-CO" smtClean="0"/>
               <a:pPr/>
-              <a:t>‹Nº›</a:t>
+              <a:t>‹#›</a:t>
             </a:fld>
             <a:endParaRPr lang="es-CO"/>
           </a:p>
@@ -3240,7 +3240,7 @@
             <a:fld id="{2235B30C-86F8-49BD-820E-4721741473E2}" type="slidenum">
               <a:rPr lang="es-CO" smtClean="0"/>
               <a:pPr/>
-              <a:t>‹Nº›</a:t>
+              <a:t>‹#›</a:t>
             </a:fld>
             <a:endParaRPr lang="es-CO"/>
           </a:p>
@@ -3492,7 +3492,7 @@
             <a:fld id="{2235B30C-86F8-49BD-820E-4721741473E2}" type="slidenum">
               <a:rPr lang="es-CO" smtClean="0"/>
               <a:pPr/>
-              <a:t>‹Nº›</a:t>
+              <a:t>‹#›</a:t>
             </a:fld>
             <a:endParaRPr lang="es-CO"/>
           </a:p>
@@ -3736,7 +3736,7 @@
             <a:fld id="{2235B30C-86F8-49BD-820E-4721741473E2}" type="slidenum">
               <a:rPr lang="es-CO" smtClean="0"/>
               <a:pPr/>
-              <a:t>‹Nº›</a:t>
+              <a:t>‹#›</a:t>
             </a:fld>
             <a:endParaRPr lang="es-CO"/>
           </a:p>
@@ -4130,7 +4130,7 @@
           <a:p>
             <a:r>
               <a:rPr lang="es-419" b="1" dirty="0"/>
-              <a:t>Llamado de funciones</a:t>
+              <a:t>Llamado de operaciones</a:t>
             </a:r>
             <a:endParaRPr lang="en-US" b="1" dirty="0"/>
           </a:p>
